--- a/src/chap1.pptx
+++ b/src/chap1.pptx
@@ -8,6 +8,10 @@
     <p:sldId id="256" r:id="rId2"/>
     <p:sldId id="257" r:id="rId3"/>
     <p:sldId id="258" r:id="rId4"/>
+    <p:sldId id="259" r:id="rId5"/>
+    <p:sldId id="260" r:id="rId6"/>
+    <p:sldId id="261" r:id="rId7"/>
+    <p:sldId id="262" r:id="rId8"/>
   </p:sldIdLst>
   <p:sldSz cx="12192000" cy="6858000"/>
   <p:notesSz cx="6858000" cy="9144000"/>
@@ -245,7 +249,7 @@
           <a:p>
             <a:fld id="{702DA7A4-7D3C-4825-A820-C62F4C12D794}" type="datetimeFigureOut">
               <a:rPr lang="zh-CN" altLang="en-US" smtClean="0"/>
-              <a:t>2018/5/18</a:t>
+              <a:t>2018/5/20</a:t>
             </a:fld>
             <a:endParaRPr lang="zh-CN" altLang="en-US"/>
           </a:p>
@@ -415,7 +419,7 @@
           <a:p>
             <a:fld id="{702DA7A4-7D3C-4825-A820-C62F4C12D794}" type="datetimeFigureOut">
               <a:rPr lang="zh-CN" altLang="en-US" smtClean="0"/>
-              <a:t>2018/5/18</a:t>
+              <a:t>2018/5/20</a:t>
             </a:fld>
             <a:endParaRPr lang="zh-CN" altLang="en-US"/>
           </a:p>
@@ -595,7 +599,7 @@
           <a:p>
             <a:fld id="{702DA7A4-7D3C-4825-A820-C62F4C12D794}" type="datetimeFigureOut">
               <a:rPr lang="zh-CN" altLang="en-US" smtClean="0"/>
-              <a:t>2018/5/18</a:t>
+              <a:t>2018/5/20</a:t>
             </a:fld>
             <a:endParaRPr lang="zh-CN" altLang="en-US"/>
           </a:p>
@@ -765,7 +769,7 @@
           <a:p>
             <a:fld id="{702DA7A4-7D3C-4825-A820-C62F4C12D794}" type="datetimeFigureOut">
               <a:rPr lang="zh-CN" altLang="en-US" smtClean="0"/>
-              <a:t>2018/5/18</a:t>
+              <a:t>2018/5/20</a:t>
             </a:fld>
             <a:endParaRPr lang="zh-CN" altLang="en-US"/>
           </a:p>
@@ -1011,7 +1015,7 @@
           <a:p>
             <a:fld id="{702DA7A4-7D3C-4825-A820-C62F4C12D794}" type="datetimeFigureOut">
               <a:rPr lang="zh-CN" altLang="en-US" smtClean="0"/>
-              <a:t>2018/5/18</a:t>
+              <a:t>2018/5/20</a:t>
             </a:fld>
             <a:endParaRPr lang="zh-CN" altLang="en-US"/>
           </a:p>
@@ -1243,7 +1247,7 @@
           <a:p>
             <a:fld id="{702DA7A4-7D3C-4825-A820-C62F4C12D794}" type="datetimeFigureOut">
               <a:rPr lang="zh-CN" altLang="en-US" smtClean="0"/>
-              <a:t>2018/5/18</a:t>
+              <a:t>2018/5/20</a:t>
             </a:fld>
             <a:endParaRPr lang="zh-CN" altLang="en-US"/>
           </a:p>
@@ -1610,7 +1614,7 @@
           <a:p>
             <a:fld id="{702DA7A4-7D3C-4825-A820-C62F4C12D794}" type="datetimeFigureOut">
               <a:rPr lang="zh-CN" altLang="en-US" smtClean="0"/>
-              <a:t>2018/5/18</a:t>
+              <a:t>2018/5/20</a:t>
             </a:fld>
             <a:endParaRPr lang="zh-CN" altLang="en-US"/>
           </a:p>
@@ -1728,7 +1732,7 @@
           <a:p>
             <a:fld id="{702DA7A4-7D3C-4825-A820-C62F4C12D794}" type="datetimeFigureOut">
               <a:rPr lang="zh-CN" altLang="en-US" smtClean="0"/>
-              <a:t>2018/5/18</a:t>
+              <a:t>2018/5/20</a:t>
             </a:fld>
             <a:endParaRPr lang="zh-CN" altLang="en-US"/>
           </a:p>
@@ -1823,7 +1827,7 @@
           <a:p>
             <a:fld id="{702DA7A4-7D3C-4825-A820-C62F4C12D794}" type="datetimeFigureOut">
               <a:rPr lang="zh-CN" altLang="en-US" smtClean="0"/>
-              <a:t>2018/5/18</a:t>
+              <a:t>2018/5/20</a:t>
             </a:fld>
             <a:endParaRPr lang="zh-CN" altLang="en-US"/>
           </a:p>
@@ -2100,7 +2104,7 @@
           <a:p>
             <a:fld id="{702DA7A4-7D3C-4825-A820-C62F4C12D794}" type="datetimeFigureOut">
               <a:rPr lang="zh-CN" altLang="en-US" smtClean="0"/>
-              <a:t>2018/5/18</a:t>
+              <a:t>2018/5/20</a:t>
             </a:fld>
             <a:endParaRPr lang="zh-CN" altLang="en-US"/>
           </a:p>
@@ -2353,7 +2357,7 @@
           <a:p>
             <a:fld id="{702DA7A4-7D3C-4825-A820-C62F4C12D794}" type="datetimeFigureOut">
               <a:rPr lang="zh-CN" altLang="en-US" smtClean="0"/>
-              <a:t>2018/5/18</a:t>
+              <a:t>2018/5/20</a:t>
             </a:fld>
             <a:endParaRPr lang="zh-CN" altLang="en-US"/>
           </a:p>
@@ -2566,7 +2570,7 @@
           <a:p>
             <a:fld id="{702DA7A4-7D3C-4825-A820-C62F4C12D794}" type="datetimeFigureOut">
               <a:rPr lang="zh-CN" altLang="en-US" smtClean="0"/>
-              <a:t>2018/5/18</a:t>
+              <a:t>2018/5/20</a:t>
             </a:fld>
             <a:endParaRPr lang="zh-CN" altLang="en-US"/>
           </a:p>
@@ -7069,6 +7073,1279 @@
 </p:sld>
 </file>
 
+<file path=ppt/slides/slide4.xml><?xml version="1.0" encoding="utf-8"?>
+<p:sld xmlns:a="http://schemas.openxmlformats.org/drawingml/2006/main" xmlns:r="http://schemas.openxmlformats.org/officeDocument/2006/relationships" xmlns:p="http://schemas.openxmlformats.org/presentationml/2006/main">
+  <p:cSld>
+    <p:spTree>
+      <p:nvGrpSpPr>
+        <p:cNvPr id="1" name=""/>
+        <p:cNvGrpSpPr/>
+        <p:nvPr/>
+      </p:nvGrpSpPr>
+      <p:grpSpPr>
+        <a:xfrm>
+          <a:off x="0" y="0"/>
+          <a:ext cx="0" cy="0"/>
+          <a:chOff x="0" y="0"/>
+          <a:chExt cx="0" cy="0"/>
+        </a:xfrm>
+      </p:grpSpPr>
+      <p:grpSp>
+        <p:nvGrpSpPr>
+          <p:cNvPr id="8" name="组合 7"/>
+          <p:cNvGrpSpPr>
+            <a:grpSpLocks noChangeAspect="1"/>
+          </p:cNvGrpSpPr>
+          <p:nvPr>
+            <p:custDataLst>
+              <p:tags r:id="rId1"/>
+            </p:custDataLst>
+          </p:nvPr>
+        </p:nvGrpSpPr>
+        <p:grpSpPr>
+          <a:xfrm>
+            <a:off x="4094486" y="1809000"/>
+            <a:ext cx="4003029" cy="3240000"/>
+            <a:chOff x="4054418" y="1781243"/>
+            <a:chExt cx="3558248" cy="2880000"/>
+          </a:xfrm>
+        </p:grpSpPr>
+        <p:pic>
+          <p:nvPicPr>
+            <p:cNvPr id="3" name="PA-图片 2" descr="E:\TEMP\msohtmlclip1\02\clip_image001.png"/>
+            <p:cNvPicPr>
+              <a:picLocks noChangeAspect="1" noChangeArrowheads="1"/>
+            </p:cNvPicPr>
+            <p:nvPr>
+              <p:custDataLst>
+                <p:tags r:id="rId2"/>
+              </p:custDataLst>
+            </p:nvPr>
+          </p:nvPicPr>
+          <p:blipFill>
+            <a:blip r:embed="rId7" cstate="print">
+              <a:clrChange>
+                <a:clrFrom>
+                  <a:srgbClr val="FFFFFF"/>
+                </a:clrFrom>
+                <a:clrTo>
+                  <a:srgbClr val="FFFFFF">
+                    <a:alpha val="0"/>
+                  </a:srgbClr>
+                </a:clrTo>
+              </a:clrChange>
+              <a:extLst>
+                <a:ext uri="{28A0092B-C50C-407E-A947-70E740481C1C}">
+                  <a14:useLocalDpi xmlns:a14="http://schemas.microsoft.com/office/drawing/2010/main" val="0"/>
+                </a:ext>
+              </a:extLst>
+            </a:blip>
+            <a:srcRect/>
+            <a:stretch>
+              <a:fillRect/>
+            </a:stretch>
+          </p:blipFill>
+          <p:spPr bwMode="auto">
+            <a:xfrm>
+              <a:off x="4054418" y="1781243"/>
+              <a:ext cx="3558248" cy="2880000"/>
+            </a:xfrm>
+            <a:prstGeom prst="rect">
+              <a:avLst/>
+            </a:prstGeom>
+            <a:noFill/>
+            <a:extLst>
+              <a:ext uri="{909E8E84-426E-40DD-AFC4-6F175D3DCCD1}">
+                <a14:hiddenFill xmlns:a14="http://schemas.microsoft.com/office/drawing/2010/main">
+                  <a:solidFill>
+                    <a:srgbClr val="FFFFFF"/>
+                  </a:solidFill>
+                </a14:hiddenFill>
+              </a:ext>
+            </a:extLst>
+          </p:spPr>
+        </p:pic>
+        <p:grpSp>
+          <p:nvGrpSpPr>
+            <p:cNvPr id="4" name="PA-组合 3"/>
+            <p:cNvGrpSpPr/>
+            <p:nvPr>
+              <p:custDataLst>
+                <p:tags r:id="rId3"/>
+              </p:custDataLst>
+            </p:nvPr>
+          </p:nvGrpSpPr>
+          <p:grpSpPr>
+            <a:xfrm>
+              <a:off x="4739186" y="2767274"/>
+              <a:ext cx="2514602" cy="1893969"/>
+              <a:chOff x="1262741" y="2275569"/>
+              <a:chExt cx="2514602" cy="1893969"/>
+            </a:xfrm>
+          </p:grpSpPr>
+          <p:sp>
+            <p:nvSpPr>
+              <p:cNvPr id="5" name="PA-矩形 4"/>
+              <p:cNvSpPr/>
+              <p:nvPr>
+                <p:custDataLst>
+                  <p:tags r:id="rId4"/>
+                </p:custDataLst>
+              </p:nvPr>
+            </p:nvSpPr>
+            <p:spPr>
+              <a:xfrm>
+                <a:off x="2357097" y="3799114"/>
+                <a:ext cx="1420246" cy="370424"/>
+              </a:xfrm>
+              <a:prstGeom prst="rect">
+                <a:avLst/>
+              </a:prstGeom>
+              <a:noFill/>
+              <a:ln w="28575">
+                <a:solidFill>
+                  <a:srgbClr val="FF0000"/>
+                </a:solidFill>
+              </a:ln>
+            </p:spPr>
+            <p:style>
+              <a:lnRef idx="2">
+                <a:schemeClr val="accent6"/>
+              </a:lnRef>
+              <a:fillRef idx="1">
+                <a:schemeClr val="lt1"/>
+              </a:fillRef>
+              <a:effectRef idx="0">
+                <a:schemeClr val="accent6"/>
+              </a:effectRef>
+              <a:fontRef idx="minor">
+                <a:schemeClr val="dk1"/>
+              </a:fontRef>
+            </p:style>
+            <p:txBody>
+              <a:bodyPr rtlCol="0" anchor="ctr"/>
+              <a:lstStyle/>
+              <a:p>
+                <a:pPr algn="ctr"/>
+                <a:endParaRPr lang="zh-CN" altLang="en-US"/>
+              </a:p>
+            </p:txBody>
+          </p:sp>
+          <p:sp>
+            <p:nvSpPr>
+              <p:cNvPr id="6" name="PA-矩形 5"/>
+              <p:cNvSpPr/>
+              <p:nvPr>
+                <p:custDataLst>
+                  <p:tags r:id="rId5"/>
+                </p:custDataLst>
+              </p:nvPr>
+            </p:nvSpPr>
+            <p:spPr>
+              <a:xfrm>
+                <a:off x="1262741" y="2275569"/>
+                <a:ext cx="1257301" cy="537513"/>
+              </a:xfrm>
+              <a:prstGeom prst="rect">
+                <a:avLst/>
+              </a:prstGeom>
+              <a:noFill/>
+              <a:ln w="28575">
+                <a:solidFill>
+                  <a:srgbClr val="FF0000"/>
+                </a:solidFill>
+              </a:ln>
+            </p:spPr>
+            <p:style>
+              <a:lnRef idx="2">
+                <a:schemeClr val="accent6"/>
+              </a:lnRef>
+              <a:fillRef idx="1">
+                <a:schemeClr val="lt1"/>
+              </a:fillRef>
+              <a:effectRef idx="0">
+                <a:schemeClr val="accent6"/>
+              </a:effectRef>
+              <a:fontRef idx="minor">
+                <a:schemeClr val="dk1"/>
+              </a:fontRef>
+            </p:style>
+            <p:txBody>
+              <a:bodyPr rtlCol="0" anchor="ctr"/>
+              <a:lstStyle/>
+              <a:p>
+                <a:pPr algn="ctr"/>
+                <a:endParaRPr lang="zh-CN" altLang="en-US"/>
+              </a:p>
+            </p:txBody>
+          </p:sp>
+        </p:grpSp>
+      </p:grpSp>
+    </p:spTree>
+    <p:extLst>
+      <p:ext uri="{BB962C8B-B14F-4D97-AF65-F5344CB8AC3E}">
+        <p14:creationId xmlns:p14="http://schemas.microsoft.com/office/powerpoint/2010/main" val="880776492"/>
+      </p:ext>
+    </p:extLst>
+  </p:cSld>
+  <p:clrMapOvr>
+    <a:masterClrMapping/>
+  </p:clrMapOvr>
+  <p:timing>
+    <p:tnLst>
+      <p:par>
+        <p:cTn id="1" dur="indefinite" restart="never" nodeType="tmRoot">
+          <p:childTnLst>
+            <p:seq concurrent="1" nextAc="seek">
+              <p:cTn id="2" dur="indefinite" nodeType="mainSeq">
+                <p:childTnLst>
+                  <p:par>
+                    <p:cTn id="3" fill="hold">
+                      <p:stCondLst>
+                        <p:cond delay="indefinite"/>
+                      </p:stCondLst>
+                      <p:childTnLst>
+                        <p:par>
+                          <p:cTn id="4" fill="hold">
+                            <p:stCondLst>
+                              <p:cond delay="0"/>
+                            </p:stCondLst>
+                            <p:childTnLst>
+                              <p:par>
+                                <p:cTn id="5" presetID="10" presetClass="entr" presetSubtype="0" fill="hold" nodeType="clickEffect">
+                                  <p:stCondLst>
+                                    <p:cond delay="0"/>
+                                  </p:stCondLst>
+                                  <p:childTnLst>
+                                    <p:set>
+                                      <p:cBhvr>
+                                        <p:cTn id="6" dur="1" fill="hold">
+                                          <p:stCondLst>
+                                            <p:cond delay="0"/>
+                                          </p:stCondLst>
+                                        </p:cTn>
+                                        <p:tgtEl>
+                                          <p:spTgt spid="8"/>
+                                        </p:tgtEl>
+                                        <p:attrNameLst>
+                                          <p:attrName>style.visibility</p:attrName>
+                                        </p:attrNameLst>
+                                      </p:cBhvr>
+                                      <p:to>
+                                        <p:strVal val="visible"/>
+                                      </p:to>
+                                    </p:set>
+                                    <p:animEffect transition="in" filter="fade">
+                                      <p:cBhvr>
+                                        <p:cTn id="7" dur="500"/>
+                                        <p:tgtEl>
+                                          <p:spTgt spid="8"/>
+                                        </p:tgtEl>
+                                      </p:cBhvr>
+                                    </p:animEffect>
+                                  </p:childTnLst>
+                                </p:cTn>
+                              </p:par>
+                            </p:childTnLst>
+                          </p:cTn>
+                        </p:par>
+                      </p:childTnLst>
+                    </p:cTn>
+                  </p:par>
+                </p:childTnLst>
+              </p:cTn>
+              <p:prevCondLst>
+                <p:cond evt="onPrev" delay="0">
+                  <p:tgtEl>
+                    <p:sldTgt/>
+                  </p:tgtEl>
+                </p:cond>
+              </p:prevCondLst>
+              <p:nextCondLst>
+                <p:cond evt="onNext" delay="0">
+                  <p:tgtEl>
+                    <p:sldTgt/>
+                  </p:tgtEl>
+                </p:cond>
+              </p:nextCondLst>
+            </p:seq>
+          </p:childTnLst>
+        </p:cTn>
+      </p:par>
+    </p:tnLst>
+  </p:timing>
+</p:sld>
+</file>
+
+<file path=ppt/slides/slide5.xml><?xml version="1.0" encoding="utf-8"?>
+<p:sld xmlns:a="http://schemas.openxmlformats.org/drawingml/2006/main" xmlns:r="http://schemas.openxmlformats.org/officeDocument/2006/relationships" xmlns:p="http://schemas.openxmlformats.org/presentationml/2006/main">
+  <p:cSld>
+    <p:spTree>
+      <p:nvGrpSpPr>
+        <p:cNvPr id="1" name=""/>
+        <p:cNvGrpSpPr/>
+        <p:nvPr/>
+      </p:nvGrpSpPr>
+      <p:grpSpPr>
+        <a:xfrm>
+          <a:off x="0" y="0"/>
+          <a:ext cx="0" cy="0"/>
+          <a:chOff x="0" y="0"/>
+          <a:chExt cx="0" cy="0"/>
+        </a:xfrm>
+      </p:grpSpPr>
+      <p:grpSp>
+        <p:nvGrpSpPr>
+          <p:cNvPr id="8" name="组合 7"/>
+          <p:cNvGrpSpPr/>
+          <p:nvPr>
+            <p:custDataLst>
+              <p:tags r:id="rId1"/>
+            </p:custDataLst>
+          </p:nvPr>
+        </p:nvGrpSpPr>
+        <p:grpSpPr>
+          <a:xfrm>
+            <a:off x="4096403" y="1809000"/>
+            <a:ext cx="3999195" cy="3240000"/>
+            <a:chOff x="4096403" y="1809000"/>
+            <a:chExt cx="3999195" cy="3240000"/>
+          </a:xfrm>
+        </p:grpSpPr>
+        <p:pic>
+          <p:nvPicPr>
+            <p:cNvPr id="2" name="PA-图片 4" descr="E:\TEMP\msohtmlclip1\02\clip_image001.png"/>
+            <p:cNvPicPr>
+              <a:picLocks noChangeAspect="1" noChangeArrowheads="1"/>
+            </p:cNvPicPr>
+            <p:nvPr>
+              <p:custDataLst>
+                <p:tags r:id="rId2"/>
+              </p:custDataLst>
+            </p:nvPr>
+          </p:nvPicPr>
+          <p:blipFill>
+            <a:blip r:embed="rId7" cstate="print">
+              <a:clrChange>
+                <a:clrFrom>
+                  <a:srgbClr val="FFFFFF"/>
+                </a:clrFrom>
+                <a:clrTo>
+                  <a:srgbClr val="FFFFFF">
+                    <a:alpha val="0"/>
+                  </a:srgbClr>
+                </a:clrTo>
+              </a:clrChange>
+              <a:extLst>
+                <a:ext uri="{28A0092B-C50C-407E-A947-70E740481C1C}">
+                  <a14:useLocalDpi xmlns:a14="http://schemas.microsoft.com/office/drawing/2010/main" val="0"/>
+                </a:ext>
+              </a:extLst>
+            </a:blip>
+            <a:srcRect/>
+            <a:stretch>
+              <a:fillRect/>
+            </a:stretch>
+          </p:blipFill>
+          <p:spPr bwMode="auto">
+            <a:xfrm>
+              <a:off x="4096403" y="1809000"/>
+              <a:ext cx="3999195" cy="3240000"/>
+            </a:xfrm>
+            <a:prstGeom prst="rect">
+              <a:avLst/>
+            </a:prstGeom>
+            <a:noFill/>
+            <a:extLst>
+              <a:ext uri="{909E8E84-426E-40DD-AFC4-6F175D3DCCD1}">
+                <a14:hiddenFill xmlns:a14="http://schemas.microsoft.com/office/drawing/2010/main">
+                  <a:solidFill>
+                    <a:srgbClr val="FFFFFF"/>
+                  </a:solidFill>
+                </a14:hiddenFill>
+              </a:ext>
+            </a:extLst>
+          </p:spPr>
+        </p:pic>
+        <p:sp>
+          <p:nvSpPr>
+            <p:cNvPr id="4" name="PA-矩形 5"/>
+            <p:cNvSpPr/>
+            <p:nvPr>
+              <p:custDataLst>
+                <p:tags r:id="rId3"/>
+              </p:custDataLst>
+            </p:nvPr>
+          </p:nvSpPr>
+          <p:spPr>
+            <a:xfrm>
+              <a:off x="6728156" y="3429000"/>
+              <a:ext cx="371385" cy="353683"/>
+            </a:xfrm>
+            <a:prstGeom prst="rect">
+              <a:avLst/>
+            </a:prstGeom>
+            <a:noFill/>
+            <a:ln w="28575">
+              <a:solidFill>
+                <a:srgbClr val="FF0000"/>
+              </a:solidFill>
+            </a:ln>
+          </p:spPr>
+          <p:style>
+            <a:lnRef idx="2">
+              <a:schemeClr val="accent6"/>
+            </a:lnRef>
+            <a:fillRef idx="1">
+              <a:schemeClr val="lt1"/>
+            </a:fillRef>
+            <a:effectRef idx="0">
+              <a:schemeClr val="accent6"/>
+            </a:effectRef>
+            <a:fontRef idx="minor">
+              <a:schemeClr val="dk1"/>
+            </a:fontRef>
+          </p:style>
+          <p:txBody>
+            <a:bodyPr rtlCol="0" anchor="ctr"/>
+            <a:lstStyle/>
+            <a:p>
+              <a:pPr algn="ctr"/>
+              <a:endParaRPr lang="zh-CN" altLang="en-US"/>
+            </a:p>
+          </p:txBody>
+        </p:sp>
+        <p:sp>
+          <p:nvSpPr>
+            <p:cNvPr id="5" name="PA-矩形 5"/>
+            <p:cNvSpPr/>
+            <p:nvPr>
+              <p:custDataLst>
+                <p:tags r:id="rId4"/>
+              </p:custDataLst>
+            </p:nvPr>
+          </p:nvSpPr>
+          <p:spPr>
+            <a:xfrm>
+              <a:off x="4309884" y="3463505"/>
+              <a:ext cx="371385" cy="353683"/>
+            </a:xfrm>
+            <a:prstGeom prst="rect">
+              <a:avLst/>
+            </a:prstGeom>
+            <a:noFill/>
+            <a:ln w="28575">
+              <a:solidFill>
+                <a:srgbClr val="FF0000"/>
+              </a:solidFill>
+            </a:ln>
+          </p:spPr>
+          <p:style>
+            <a:lnRef idx="2">
+              <a:schemeClr val="accent6"/>
+            </a:lnRef>
+            <a:fillRef idx="1">
+              <a:schemeClr val="lt1"/>
+            </a:fillRef>
+            <a:effectRef idx="0">
+              <a:schemeClr val="accent6"/>
+            </a:effectRef>
+            <a:fontRef idx="minor">
+              <a:schemeClr val="dk1"/>
+            </a:fontRef>
+          </p:style>
+          <p:txBody>
+            <a:bodyPr rtlCol="0" anchor="ctr"/>
+            <a:lstStyle/>
+            <a:p>
+              <a:pPr algn="ctr"/>
+              <a:endParaRPr lang="zh-CN" altLang="en-US"/>
+            </a:p>
+          </p:txBody>
+        </p:sp>
+        <p:sp>
+          <p:nvSpPr>
+            <p:cNvPr id="6" name="PA-矩形 5"/>
+            <p:cNvSpPr/>
+            <p:nvPr>
+              <p:custDataLst>
+                <p:tags r:id="rId5"/>
+              </p:custDataLst>
+            </p:nvPr>
+          </p:nvSpPr>
+          <p:spPr>
+            <a:xfrm>
+              <a:off x="4914182" y="4096664"/>
+              <a:ext cx="304799" cy="285556"/>
+            </a:xfrm>
+            <a:prstGeom prst="rect">
+              <a:avLst/>
+            </a:prstGeom>
+            <a:noFill/>
+            <a:ln w="28575">
+              <a:solidFill>
+                <a:srgbClr val="FF0000"/>
+              </a:solidFill>
+            </a:ln>
+          </p:spPr>
+          <p:style>
+            <a:lnRef idx="2">
+              <a:schemeClr val="accent6"/>
+            </a:lnRef>
+            <a:fillRef idx="1">
+              <a:schemeClr val="lt1"/>
+            </a:fillRef>
+            <a:effectRef idx="0">
+              <a:schemeClr val="accent6"/>
+            </a:effectRef>
+            <a:fontRef idx="minor">
+              <a:schemeClr val="dk1"/>
+            </a:fontRef>
+          </p:style>
+          <p:txBody>
+            <a:bodyPr rtlCol="0" anchor="ctr"/>
+            <a:lstStyle/>
+            <a:p>
+              <a:pPr algn="ctr"/>
+              <a:endParaRPr lang="zh-CN" altLang="en-US"/>
+            </a:p>
+          </p:txBody>
+        </p:sp>
+      </p:grpSp>
+    </p:spTree>
+    <p:extLst>
+      <p:ext uri="{BB962C8B-B14F-4D97-AF65-F5344CB8AC3E}">
+        <p14:creationId xmlns:p14="http://schemas.microsoft.com/office/powerpoint/2010/main" val="1994866689"/>
+      </p:ext>
+    </p:extLst>
+  </p:cSld>
+  <p:clrMapOvr>
+    <a:masterClrMapping/>
+  </p:clrMapOvr>
+  <p:timing>
+    <p:tnLst>
+      <p:par>
+        <p:cTn id="1" dur="indefinite" restart="never" nodeType="tmRoot">
+          <p:childTnLst>
+            <p:seq concurrent="1" nextAc="seek">
+              <p:cTn id="2" dur="indefinite" nodeType="mainSeq">
+                <p:childTnLst>
+                  <p:par>
+                    <p:cTn id="3" fill="hold">
+                      <p:stCondLst>
+                        <p:cond delay="indefinite"/>
+                        <p:cond evt="onBegin" delay="0">
+                          <p:tn val="2"/>
+                        </p:cond>
+                      </p:stCondLst>
+                      <p:childTnLst>
+                        <p:par>
+                          <p:cTn id="4" fill="hold">
+                            <p:stCondLst>
+                              <p:cond delay="0"/>
+                            </p:stCondLst>
+                            <p:childTnLst>
+                              <p:par>
+                                <p:cTn id="5" presetID="10" presetClass="entr" presetSubtype="0" fill="hold" nodeType="withEffect">
+                                  <p:stCondLst>
+                                    <p:cond delay="0"/>
+                                  </p:stCondLst>
+                                  <p:childTnLst>
+                                    <p:set>
+                                      <p:cBhvr>
+                                        <p:cTn id="6" dur="1" fill="hold">
+                                          <p:stCondLst>
+                                            <p:cond delay="0"/>
+                                          </p:stCondLst>
+                                        </p:cTn>
+                                        <p:tgtEl>
+                                          <p:spTgt spid="8"/>
+                                        </p:tgtEl>
+                                        <p:attrNameLst>
+                                          <p:attrName>style.visibility</p:attrName>
+                                        </p:attrNameLst>
+                                      </p:cBhvr>
+                                      <p:to>
+                                        <p:strVal val="visible"/>
+                                      </p:to>
+                                    </p:set>
+                                    <p:animEffect transition="in" filter="fade">
+                                      <p:cBhvr>
+                                        <p:cTn id="7" dur="500"/>
+                                        <p:tgtEl>
+                                          <p:spTgt spid="8"/>
+                                        </p:tgtEl>
+                                      </p:cBhvr>
+                                    </p:animEffect>
+                                  </p:childTnLst>
+                                </p:cTn>
+                              </p:par>
+                            </p:childTnLst>
+                          </p:cTn>
+                        </p:par>
+                      </p:childTnLst>
+                    </p:cTn>
+                  </p:par>
+                </p:childTnLst>
+              </p:cTn>
+              <p:prevCondLst>
+                <p:cond evt="onPrev" delay="0">
+                  <p:tgtEl>
+                    <p:sldTgt/>
+                  </p:tgtEl>
+                </p:cond>
+              </p:prevCondLst>
+              <p:nextCondLst>
+                <p:cond evt="onNext" delay="0">
+                  <p:tgtEl>
+                    <p:sldTgt/>
+                  </p:tgtEl>
+                </p:cond>
+              </p:nextCondLst>
+            </p:seq>
+          </p:childTnLst>
+        </p:cTn>
+      </p:par>
+    </p:tnLst>
+  </p:timing>
+</p:sld>
+</file>
+
+<file path=ppt/slides/slide6.xml><?xml version="1.0" encoding="utf-8"?>
+<p:sld xmlns:a="http://schemas.openxmlformats.org/drawingml/2006/main" xmlns:r="http://schemas.openxmlformats.org/officeDocument/2006/relationships" xmlns:p="http://schemas.openxmlformats.org/presentationml/2006/main">
+  <p:cSld>
+    <p:spTree>
+      <p:nvGrpSpPr>
+        <p:cNvPr id="1" name=""/>
+        <p:cNvGrpSpPr/>
+        <p:nvPr/>
+      </p:nvGrpSpPr>
+      <p:grpSpPr>
+        <a:xfrm>
+          <a:off x="0" y="0"/>
+          <a:ext cx="0" cy="0"/>
+          <a:chOff x="0" y="0"/>
+          <a:chExt cx="0" cy="0"/>
+        </a:xfrm>
+      </p:grpSpPr>
+      <p:grpSp>
+        <p:nvGrpSpPr>
+          <p:cNvPr id="6" name="组合 5"/>
+          <p:cNvGrpSpPr>
+            <a:grpSpLocks noChangeAspect="1"/>
+          </p:cNvGrpSpPr>
+          <p:nvPr>
+            <p:custDataLst>
+              <p:tags r:id="rId1"/>
+            </p:custDataLst>
+          </p:nvPr>
+        </p:nvGrpSpPr>
+        <p:grpSpPr>
+          <a:xfrm>
+            <a:off x="4480230" y="1809000"/>
+            <a:ext cx="3231541" cy="3240000"/>
+            <a:chOff x="4890412" y="1666076"/>
+            <a:chExt cx="2496926" cy="2503462"/>
+          </a:xfrm>
+        </p:grpSpPr>
+        <p:pic>
+          <p:nvPicPr>
+            <p:cNvPr id="2" name="PA-图片 1"/>
+            <p:cNvPicPr>
+              <a:picLocks noChangeAspect="1"/>
+            </p:cNvPicPr>
+            <p:nvPr>
+              <p:custDataLst>
+                <p:tags r:id="rId2"/>
+              </p:custDataLst>
+            </p:nvPr>
+          </p:nvPicPr>
+          <p:blipFill>
+            <a:blip r:embed="rId6"/>
+            <a:stretch>
+              <a:fillRect/>
+            </a:stretch>
+          </p:blipFill>
+          <p:spPr>
+            <a:xfrm>
+              <a:off x="4890412" y="1666076"/>
+              <a:ext cx="2496926" cy="2503462"/>
+            </a:xfrm>
+            <a:prstGeom prst="rect">
+              <a:avLst/>
+            </a:prstGeom>
+          </p:spPr>
+        </p:pic>
+        <p:cxnSp>
+          <p:nvCxnSpPr>
+            <p:cNvPr id="3" name="PA-StraightArrowConnector 2"/>
+            <p:cNvCxnSpPr/>
+            <p:nvPr>
+              <p:custDataLst>
+                <p:tags r:id="rId3"/>
+              </p:custDataLst>
+            </p:nvPr>
+          </p:nvCxnSpPr>
+          <p:spPr>
+            <a:xfrm>
+              <a:off x="6085116" y="1763485"/>
+              <a:ext cx="76198" cy="617711"/>
+            </a:xfrm>
+            <a:prstGeom prst="straightConnector1">
+              <a:avLst/>
+            </a:prstGeom>
+            <a:ln w="28575">
+              <a:solidFill>
+                <a:srgbClr val="FF0000"/>
+              </a:solidFill>
+              <a:tailEnd type="triangle"/>
+            </a:ln>
+          </p:spPr>
+          <p:style>
+            <a:lnRef idx="1">
+              <a:schemeClr val="accent6"/>
+            </a:lnRef>
+            <a:fillRef idx="0">
+              <a:schemeClr val="accent6"/>
+            </a:fillRef>
+            <a:effectRef idx="0">
+              <a:schemeClr val="accent6"/>
+            </a:effectRef>
+            <a:fontRef idx="minor">
+              <a:schemeClr val="tx1"/>
+            </a:fontRef>
+          </p:style>
+        </p:cxnSp>
+        <p:cxnSp>
+          <p:nvCxnSpPr>
+            <p:cNvPr id="4" name="PA-StraightArrowConnector 3"/>
+            <p:cNvCxnSpPr/>
+            <p:nvPr>
+              <p:custDataLst>
+                <p:tags r:id="rId4"/>
+              </p:custDataLst>
+            </p:nvPr>
+          </p:nvCxnSpPr>
+          <p:spPr>
+            <a:xfrm flipV="1">
+              <a:off x="5956930" y="2754505"/>
+              <a:ext cx="141516" cy="587410"/>
+            </a:xfrm>
+            <a:prstGeom prst="straightConnector1">
+              <a:avLst/>
+            </a:prstGeom>
+            <a:ln w="28575">
+              <a:solidFill>
+                <a:srgbClr val="FF0000"/>
+              </a:solidFill>
+              <a:tailEnd type="triangle"/>
+            </a:ln>
+          </p:spPr>
+          <p:style>
+            <a:lnRef idx="1">
+              <a:schemeClr val="accent6"/>
+            </a:lnRef>
+            <a:fillRef idx="0">
+              <a:schemeClr val="accent6"/>
+            </a:fillRef>
+            <a:effectRef idx="0">
+              <a:schemeClr val="accent6"/>
+            </a:effectRef>
+            <a:fontRef idx="minor">
+              <a:schemeClr val="tx1"/>
+            </a:fontRef>
+          </p:style>
+        </p:cxnSp>
+      </p:grpSp>
+    </p:spTree>
+    <p:extLst>
+      <p:ext uri="{BB962C8B-B14F-4D97-AF65-F5344CB8AC3E}">
+        <p14:creationId xmlns:p14="http://schemas.microsoft.com/office/powerpoint/2010/main" val="280507119"/>
+      </p:ext>
+    </p:extLst>
+  </p:cSld>
+  <p:clrMapOvr>
+    <a:masterClrMapping/>
+  </p:clrMapOvr>
+  <p:timing>
+    <p:tnLst>
+      <p:par>
+        <p:cTn id="1" dur="indefinite" restart="never" nodeType="tmRoot">
+          <p:childTnLst>
+            <p:seq concurrent="1" nextAc="seek">
+              <p:cTn id="2" dur="indefinite" nodeType="mainSeq">
+                <p:childTnLst>
+                  <p:par>
+                    <p:cTn id="3" fill="hold">
+                      <p:stCondLst>
+                        <p:cond delay="indefinite"/>
+                      </p:stCondLst>
+                      <p:childTnLst>
+                        <p:par>
+                          <p:cTn id="4" fill="hold">
+                            <p:stCondLst>
+                              <p:cond delay="0"/>
+                            </p:stCondLst>
+                            <p:childTnLst>
+                              <p:par>
+                                <p:cTn id="5" presetID="10" presetClass="entr" presetSubtype="0" fill="hold" nodeType="clickEffect">
+                                  <p:stCondLst>
+                                    <p:cond delay="0"/>
+                                  </p:stCondLst>
+                                  <p:childTnLst>
+                                    <p:set>
+                                      <p:cBhvr>
+                                        <p:cTn id="6" dur="1" fill="hold">
+                                          <p:stCondLst>
+                                            <p:cond delay="0"/>
+                                          </p:stCondLst>
+                                        </p:cTn>
+                                        <p:tgtEl>
+                                          <p:spTgt spid="6"/>
+                                        </p:tgtEl>
+                                        <p:attrNameLst>
+                                          <p:attrName>style.visibility</p:attrName>
+                                        </p:attrNameLst>
+                                      </p:cBhvr>
+                                      <p:to>
+                                        <p:strVal val="visible"/>
+                                      </p:to>
+                                    </p:set>
+                                    <p:animEffect transition="in" filter="fade">
+                                      <p:cBhvr>
+                                        <p:cTn id="7" dur="500"/>
+                                        <p:tgtEl>
+                                          <p:spTgt spid="6"/>
+                                        </p:tgtEl>
+                                      </p:cBhvr>
+                                    </p:animEffect>
+                                  </p:childTnLst>
+                                </p:cTn>
+                              </p:par>
+                            </p:childTnLst>
+                          </p:cTn>
+                        </p:par>
+                      </p:childTnLst>
+                    </p:cTn>
+                  </p:par>
+                  <p:par>
+                    <p:cTn id="8" fill="hold">
+                      <p:stCondLst>
+                        <p:cond delay="indefinite"/>
+                      </p:stCondLst>
+                      <p:childTnLst>
+                        <p:par>
+                          <p:cTn id="9" fill="hold">
+                            <p:stCondLst>
+                              <p:cond delay="0"/>
+                            </p:stCondLst>
+                            <p:childTnLst>
+                              <p:par>
+                                <p:cTn id="10" presetID="10" presetClass="entr" presetSubtype="0" fill="hold" nodeType="clickEffect">
+                                  <p:stCondLst>
+                                    <p:cond delay="0"/>
+                                  </p:stCondLst>
+                                  <p:childTnLst>
+                                    <p:set>
+                                      <p:cBhvr>
+                                        <p:cTn id="11" dur="1" fill="hold">
+                                          <p:stCondLst>
+                                            <p:cond delay="0"/>
+                                          </p:stCondLst>
+                                        </p:cTn>
+                                        <p:tgtEl>
+                                          <p:spTgt spid="6"/>
+                                        </p:tgtEl>
+                                        <p:attrNameLst>
+                                          <p:attrName>style.visibility</p:attrName>
+                                        </p:attrNameLst>
+                                      </p:cBhvr>
+                                      <p:to>
+                                        <p:strVal val="visible"/>
+                                      </p:to>
+                                    </p:set>
+                                    <p:animEffect transition="in" filter="fade">
+                                      <p:cBhvr>
+                                        <p:cTn id="12" dur="500"/>
+                                        <p:tgtEl>
+                                          <p:spTgt spid="6"/>
+                                        </p:tgtEl>
+                                      </p:cBhvr>
+                                    </p:animEffect>
+                                  </p:childTnLst>
+                                </p:cTn>
+                              </p:par>
+                              <p:par>
+                                <p:cTn id="13" presetID="10" presetClass="entr" presetSubtype="0" fill="hold" nodeType="withEffect">
+                                  <p:stCondLst>
+                                    <p:cond delay="0"/>
+                                  </p:stCondLst>
+                                  <p:childTnLst>
+                                    <p:set>
+                                      <p:cBhvr>
+                                        <p:cTn id="14" dur="1" fill="hold">
+                                          <p:stCondLst>
+                                            <p:cond delay="0"/>
+                                          </p:stCondLst>
+                                        </p:cTn>
+                                        <p:tgtEl>
+                                          <p:spTgt spid="6"/>
+                                        </p:tgtEl>
+                                        <p:attrNameLst>
+                                          <p:attrName>style.visibility</p:attrName>
+                                        </p:attrNameLst>
+                                      </p:cBhvr>
+                                      <p:to>
+                                        <p:strVal val="visible"/>
+                                      </p:to>
+                                    </p:set>
+                                    <p:animEffect transition="in" filter="fade">
+                                      <p:cBhvr>
+                                        <p:cTn id="15" dur="500"/>
+                                        <p:tgtEl>
+                                          <p:spTgt spid="6"/>
+                                        </p:tgtEl>
+                                      </p:cBhvr>
+                                    </p:animEffect>
+                                  </p:childTnLst>
+                                </p:cTn>
+                              </p:par>
+                            </p:childTnLst>
+                          </p:cTn>
+                        </p:par>
+                      </p:childTnLst>
+                    </p:cTn>
+                  </p:par>
+                  <p:par>
+                    <p:cTn id="16" fill="hold">
+                      <p:stCondLst>
+                        <p:cond delay="indefinite"/>
+                      </p:stCondLst>
+                      <p:childTnLst>
+                        <p:par>
+                          <p:cTn id="17" fill="hold">
+                            <p:stCondLst>
+                              <p:cond delay="0"/>
+                            </p:stCondLst>
+                            <p:childTnLst>
+                              <p:par>
+                                <p:cTn id="18" presetID="10" presetClass="exit" presetSubtype="0" fill="hold" nodeType="clickEffect">
+                                  <p:stCondLst>
+                                    <p:cond delay="0"/>
+                                  </p:stCondLst>
+                                  <p:childTnLst>
+                                    <p:animEffect transition="out" filter="fade">
+                                      <p:cBhvr>
+                                        <p:cTn id="19" dur="500"/>
+                                        <p:tgtEl>
+                                          <p:spTgt spid="6"/>
+                                        </p:tgtEl>
+                                      </p:cBhvr>
+                                    </p:animEffect>
+                                    <p:set>
+                                      <p:cBhvr>
+                                        <p:cTn id="20" dur="1" fill="hold">
+                                          <p:stCondLst>
+                                            <p:cond delay="499"/>
+                                          </p:stCondLst>
+                                        </p:cTn>
+                                        <p:tgtEl>
+                                          <p:spTgt spid="6"/>
+                                        </p:tgtEl>
+                                        <p:attrNameLst>
+                                          <p:attrName>style.visibility</p:attrName>
+                                        </p:attrNameLst>
+                                      </p:cBhvr>
+                                      <p:to>
+                                        <p:strVal val="hidden"/>
+                                      </p:to>
+                                    </p:set>
+                                  </p:childTnLst>
+                                </p:cTn>
+                              </p:par>
+                              <p:par>
+                                <p:cTn id="21" presetID="10" presetClass="exit" presetSubtype="0" fill="hold" nodeType="withEffect">
+                                  <p:stCondLst>
+                                    <p:cond delay="0"/>
+                                  </p:stCondLst>
+                                  <p:childTnLst>
+                                    <p:animEffect transition="out" filter="fade">
+                                      <p:cBhvr>
+                                        <p:cTn id="22" dur="500"/>
+                                        <p:tgtEl>
+                                          <p:spTgt spid="6"/>
+                                        </p:tgtEl>
+                                      </p:cBhvr>
+                                    </p:animEffect>
+                                    <p:set>
+                                      <p:cBhvr>
+                                        <p:cTn id="23" dur="1" fill="hold">
+                                          <p:stCondLst>
+                                            <p:cond delay="499"/>
+                                          </p:stCondLst>
+                                        </p:cTn>
+                                        <p:tgtEl>
+                                          <p:spTgt spid="6"/>
+                                        </p:tgtEl>
+                                        <p:attrNameLst>
+                                          <p:attrName>style.visibility</p:attrName>
+                                        </p:attrNameLst>
+                                      </p:cBhvr>
+                                      <p:to>
+                                        <p:strVal val="hidden"/>
+                                      </p:to>
+                                    </p:set>
+                                  </p:childTnLst>
+                                </p:cTn>
+                              </p:par>
+                              <p:par>
+                                <p:cTn id="24" presetID="10" presetClass="exit" presetSubtype="0" fill="hold" nodeType="withEffect">
+                                  <p:stCondLst>
+                                    <p:cond delay="0"/>
+                                  </p:stCondLst>
+                                  <p:childTnLst>
+                                    <p:animEffect transition="out" filter="fade">
+                                      <p:cBhvr>
+                                        <p:cTn id="25" dur="500"/>
+                                        <p:tgtEl>
+                                          <p:spTgt spid="6"/>
+                                        </p:tgtEl>
+                                      </p:cBhvr>
+                                    </p:animEffect>
+                                    <p:set>
+                                      <p:cBhvr>
+                                        <p:cTn id="26" dur="1" fill="hold">
+                                          <p:stCondLst>
+                                            <p:cond delay="499"/>
+                                          </p:stCondLst>
+                                        </p:cTn>
+                                        <p:tgtEl>
+                                          <p:spTgt spid="6"/>
+                                        </p:tgtEl>
+                                        <p:attrNameLst>
+                                          <p:attrName>style.visibility</p:attrName>
+                                        </p:attrNameLst>
+                                      </p:cBhvr>
+                                      <p:to>
+                                        <p:strVal val="hidden"/>
+                                      </p:to>
+                                    </p:set>
+                                  </p:childTnLst>
+                                </p:cTn>
+                              </p:par>
+                            </p:childTnLst>
+                          </p:cTn>
+                        </p:par>
+                      </p:childTnLst>
+                    </p:cTn>
+                  </p:par>
+                </p:childTnLst>
+              </p:cTn>
+              <p:prevCondLst>
+                <p:cond evt="onPrev" delay="0">
+                  <p:tgtEl>
+                    <p:sldTgt/>
+                  </p:tgtEl>
+                </p:cond>
+              </p:prevCondLst>
+              <p:nextCondLst>
+                <p:cond evt="onNext" delay="0">
+                  <p:tgtEl>
+                    <p:sldTgt/>
+                  </p:tgtEl>
+                </p:cond>
+              </p:nextCondLst>
+            </p:seq>
+          </p:childTnLst>
+        </p:cTn>
+      </p:par>
+    </p:tnLst>
+  </p:timing>
+</p:sld>
+</file>
+
+<file path=ppt/slides/slide7.xml><?xml version="1.0" encoding="utf-8"?>
+<p:sld xmlns:a="http://schemas.openxmlformats.org/drawingml/2006/main" xmlns:r="http://schemas.openxmlformats.org/officeDocument/2006/relationships" xmlns:p="http://schemas.openxmlformats.org/presentationml/2006/main">
+  <p:cSld>
+    <p:spTree>
+      <p:nvGrpSpPr>
+        <p:cNvPr id="1" name=""/>
+        <p:cNvGrpSpPr/>
+        <p:nvPr/>
+      </p:nvGrpSpPr>
+      <p:grpSpPr>
+        <a:xfrm>
+          <a:off x="0" y="0"/>
+          <a:ext cx="0" cy="0"/>
+          <a:chOff x="0" y="0"/>
+          <a:chExt cx="0" cy="0"/>
+        </a:xfrm>
+      </p:grpSpPr>
+      <p:grpSp>
+        <p:nvGrpSpPr>
+          <p:cNvPr id="9" name="组合 8"/>
+          <p:cNvGrpSpPr/>
+          <p:nvPr/>
+        </p:nvGrpSpPr>
+        <p:grpSpPr>
+          <a:xfrm>
+            <a:off x="2111903" y="0"/>
+            <a:ext cx="7968193" cy="6858000"/>
+            <a:chOff x="2111903" y="0"/>
+            <a:chExt cx="7968193" cy="6858000"/>
+          </a:xfrm>
+        </p:grpSpPr>
+        <p:pic>
+          <p:nvPicPr>
+            <p:cNvPr id="5" name="PA-图片 4"/>
+            <p:cNvPicPr>
+              <a:picLocks noChangeAspect="1"/>
+            </p:cNvPicPr>
+            <p:nvPr>
+              <p:custDataLst>
+                <p:tags r:id="rId1"/>
+              </p:custDataLst>
+            </p:nvPr>
+          </p:nvPicPr>
+          <p:blipFill>
+            <a:blip r:embed="rId5">
+              <a:extLst>
+                <a:ext uri="{28A0092B-C50C-407E-A947-70E740481C1C}">
+                  <a14:useLocalDpi xmlns:a14="http://schemas.microsoft.com/office/drawing/2010/main" val="0"/>
+                </a:ext>
+              </a:extLst>
+            </a:blip>
+            <a:stretch>
+              <a:fillRect/>
+            </a:stretch>
+          </p:blipFill>
+          <p:spPr>
+            <a:xfrm>
+              <a:off x="2111903" y="0"/>
+              <a:ext cx="7968193" cy="6858000"/>
+            </a:xfrm>
+            <a:prstGeom prst="rect">
+              <a:avLst/>
+            </a:prstGeom>
+          </p:spPr>
+        </p:pic>
+        <p:sp>
+          <p:nvSpPr>
+            <p:cNvPr id="6" name="PA-矩形 5"/>
+            <p:cNvSpPr/>
+            <p:nvPr>
+              <p:custDataLst>
+                <p:tags r:id="rId2"/>
+              </p:custDataLst>
+            </p:nvPr>
+          </p:nvSpPr>
+          <p:spPr>
+            <a:xfrm>
+              <a:off x="3525837" y="3217653"/>
+              <a:ext cx="407806" cy="549934"/>
+            </a:xfrm>
+            <a:prstGeom prst="rect">
+              <a:avLst/>
+            </a:prstGeom>
+            <a:noFill/>
+            <a:ln w="57150">
+              <a:solidFill>
+                <a:srgbClr val="FF0000"/>
+              </a:solidFill>
+            </a:ln>
+          </p:spPr>
+          <p:style>
+            <a:lnRef idx="2">
+              <a:schemeClr val="accent6"/>
+            </a:lnRef>
+            <a:fillRef idx="1">
+              <a:schemeClr val="lt1"/>
+            </a:fillRef>
+            <a:effectRef idx="0">
+              <a:schemeClr val="accent6"/>
+            </a:effectRef>
+            <a:fontRef idx="minor">
+              <a:schemeClr val="dk1"/>
+            </a:fontRef>
+          </p:style>
+          <p:txBody>
+            <a:bodyPr rtlCol="0" anchor="ctr"/>
+            <a:lstStyle/>
+            <a:p>
+              <a:pPr algn="ctr"/>
+              <a:endParaRPr lang="zh-CN" altLang="en-US"/>
+            </a:p>
+          </p:txBody>
+        </p:sp>
+        <p:sp>
+          <p:nvSpPr>
+            <p:cNvPr id="7" name="PA-矩形 5"/>
+            <p:cNvSpPr/>
+            <p:nvPr>
+              <p:custDataLst>
+                <p:tags r:id="rId3"/>
+              </p:custDataLst>
+            </p:nvPr>
+          </p:nvSpPr>
+          <p:spPr>
+            <a:xfrm>
+              <a:off x="8980100" y="3314874"/>
+              <a:ext cx="396815" cy="596487"/>
+            </a:xfrm>
+            <a:prstGeom prst="rect">
+              <a:avLst/>
+            </a:prstGeom>
+            <a:noFill/>
+            <a:ln w="57150">
+              <a:solidFill>
+                <a:srgbClr val="FF0000"/>
+              </a:solidFill>
+            </a:ln>
+          </p:spPr>
+          <p:style>
+            <a:lnRef idx="2">
+              <a:schemeClr val="accent6"/>
+            </a:lnRef>
+            <a:fillRef idx="1">
+              <a:schemeClr val="lt1"/>
+            </a:fillRef>
+            <a:effectRef idx="0">
+              <a:schemeClr val="accent6"/>
+            </a:effectRef>
+            <a:fontRef idx="minor">
+              <a:schemeClr val="dk1"/>
+            </a:fontRef>
+          </p:style>
+          <p:txBody>
+            <a:bodyPr rtlCol="0" anchor="ctr"/>
+            <a:lstStyle/>
+            <a:p>
+              <a:pPr algn="ctr"/>
+              <a:endParaRPr lang="zh-CN" altLang="en-US"/>
+            </a:p>
+          </p:txBody>
+        </p:sp>
+      </p:grpSp>
+    </p:spTree>
+    <p:extLst>
+      <p:ext uri="{BB962C8B-B14F-4D97-AF65-F5344CB8AC3E}">
+        <p14:creationId xmlns:p14="http://schemas.microsoft.com/office/powerpoint/2010/main" val="3108443487"/>
+      </p:ext>
+    </p:extLst>
+  </p:cSld>
+  <p:clrMapOvr>
+    <a:masterClrMapping/>
+  </p:clrMapOvr>
+  <p:timing>
+    <p:tnLst>
+      <p:par>
+        <p:cTn id="1" dur="indefinite" restart="never" nodeType="tmRoot"/>
+      </p:par>
+    </p:tnLst>
+  </p:timing>
+</p:sld>
+</file>
+
 <file path=ppt/tags/tag1.xml><?xml version="1.0" encoding="utf-8"?>
 <p:tagLst xmlns:a="http://schemas.openxmlformats.org/drawingml/2006/main" xmlns:r="http://schemas.openxmlformats.org/officeDocument/2006/relationships" xmlns:p="http://schemas.openxmlformats.org/presentationml/2006/main">
   <p:tag name="PA" val="v4.3.1"/>
@@ -7081,12 +8358,84 @@
 </p:tagLst>
 </file>
 
+<file path=ppt/tags/tag100.xml><?xml version="1.0" encoding="utf-8"?>
+<p:tagLst xmlns:a="http://schemas.openxmlformats.org/drawingml/2006/main" xmlns:r="http://schemas.openxmlformats.org/officeDocument/2006/relationships" xmlns:p="http://schemas.openxmlformats.org/presentationml/2006/main">
+  <p:tag name="EFFECT_TARSP_IDS" val="2|"/>
+</p:tagLst>
+</file>
+
+<file path=ppt/tags/tag101.xml><?xml version="1.0" encoding="utf-8"?>
+<p:tagLst xmlns:a="http://schemas.openxmlformats.org/drawingml/2006/main" xmlns:r="http://schemas.openxmlformats.org/officeDocument/2006/relationships" xmlns:p="http://schemas.openxmlformats.org/presentationml/2006/main">
+  <p:tag name="PA" val="v4.3.1"/>
+</p:tagLst>
+</file>
+
+<file path=ppt/tags/tag102.xml><?xml version="1.0" encoding="utf-8"?>
+<p:tagLst xmlns:a="http://schemas.openxmlformats.org/drawingml/2006/main" xmlns:r="http://schemas.openxmlformats.org/officeDocument/2006/relationships" xmlns:p="http://schemas.openxmlformats.org/presentationml/2006/main">
+  <p:tag name="PA" val="v4.3.1"/>
+</p:tagLst>
+</file>
+
+<file path=ppt/tags/tag103.xml><?xml version="1.0" encoding="utf-8"?>
+<p:tagLst xmlns:a="http://schemas.openxmlformats.org/drawingml/2006/main" xmlns:r="http://schemas.openxmlformats.org/officeDocument/2006/relationships" xmlns:p="http://schemas.openxmlformats.org/presentationml/2006/main">
+  <p:tag name="PA" val="v4.3.1"/>
+</p:tagLst>
+</file>
+
+<file path=ppt/tags/tag104.xml><?xml version="1.0" encoding="utf-8"?>
+<p:tagLst xmlns:a="http://schemas.openxmlformats.org/drawingml/2006/main" xmlns:r="http://schemas.openxmlformats.org/officeDocument/2006/relationships" xmlns:p="http://schemas.openxmlformats.org/presentationml/2006/main">
+  <p:tag name="PA" val="v4.3.1"/>
+</p:tagLst>
+</file>
+
+<file path=ppt/tags/tag105.xml><?xml version="1.0" encoding="utf-8"?>
+<p:tagLst xmlns:a="http://schemas.openxmlformats.org/drawingml/2006/main" xmlns:r="http://schemas.openxmlformats.org/officeDocument/2006/relationships" xmlns:p="http://schemas.openxmlformats.org/presentationml/2006/main">
+  <p:tag name="EFFECT_TARSP_IDS" val="2|4|3|2|4|3|"/>
+</p:tagLst>
+</file>
+
+<file path=ppt/tags/tag106.xml><?xml version="1.0" encoding="utf-8"?>
+<p:tagLst xmlns:a="http://schemas.openxmlformats.org/drawingml/2006/main" xmlns:r="http://schemas.openxmlformats.org/officeDocument/2006/relationships" xmlns:p="http://schemas.openxmlformats.org/presentationml/2006/main">
+  <p:tag name="PA" val="v4.3.1"/>
+</p:tagLst>
+</file>
+
+<file path=ppt/tags/tag107.xml><?xml version="1.0" encoding="utf-8"?>
+<p:tagLst xmlns:a="http://schemas.openxmlformats.org/drawingml/2006/main" xmlns:r="http://schemas.openxmlformats.org/officeDocument/2006/relationships" xmlns:p="http://schemas.openxmlformats.org/presentationml/2006/main">
+  <p:tag name="PA" val="v4.3.1"/>
+</p:tagLst>
+</file>
+
+<file path=ppt/tags/tag108.xml><?xml version="1.0" encoding="utf-8"?>
+<p:tagLst xmlns:a="http://schemas.openxmlformats.org/drawingml/2006/main" xmlns:r="http://schemas.openxmlformats.org/officeDocument/2006/relationships" xmlns:p="http://schemas.openxmlformats.org/presentationml/2006/main">
+  <p:tag name="PA" val="v4.3.1"/>
+</p:tagLst>
+</file>
+
+<file path=ppt/tags/tag109.xml><?xml version="1.0" encoding="utf-8"?>
+<p:tagLst xmlns:a="http://schemas.openxmlformats.org/drawingml/2006/main" xmlns:r="http://schemas.openxmlformats.org/officeDocument/2006/relationships" xmlns:p="http://schemas.openxmlformats.org/presentationml/2006/main">
+  <p:tag name="PA" val="v4.3.1"/>
+</p:tagLst>
+</file>
+
 <file path=ppt/tags/tag11.xml><?xml version="1.0" encoding="utf-8"?>
 <p:tagLst xmlns:a="http://schemas.openxmlformats.org/drawingml/2006/main" xmlns:r="http://schemas.openxmlformats.org/officeDocument/2006/relationships" xmlns:p="http://schemas.openxmlformats.org/presentationml/2006/main">
   <p:tag name="PA" val="v4.3.1"/>
 </p:tagLst>
 </file>
 
+<file path=ppt/tags/tag110.xml><?xml version="1.0" encoding="utf-8"?>
+<p:tagLst xmlns:a="http://schemas.openxmlformats.org/drawingml/2006/main" xmlns:r="http://schemas.openxmlformats.org/officeDocument/2006/relationships" xmlns:p="http://schemas.openxmlformats.org/presentationml/2006/main">
+  <p:tag name="PA" val="v4.3.1"/>
+</p:tagLst>
+</file>
+
+<file path=ppt/tags/tag111.xml><?xml version="1.0" encoding="utf-8"?>
+<p:tagLst xmlns:a="http://schemas.openxmlformats.org/drawingml/2006/main" xmlns:r="http://schemas.openxmlformats.org/officeDocument/2006/relationships" xmlns:p="http://schemas.openxmlformats.org/presentationml/2006/main">
+  <p:tag name="PA" val="v4.3.1"/>
+</p:tagLst>
+</file>
+
 <file path=ppt/tags/tag12.xml><?xml version="1.0" encoding="utf-8"?>
 <p:tagLst xmlns:a="http://schemas.openxmlformats.org/drawingml/2006/main" xmlns:r="http://schemas.openxmlformats.org/officeDocument/2006/relationships" xmlns:p="http://schemas.openxmlformats.org/presentationml/2006/main">
   <p:tag name="PA" val="v4.3.1"/>
@@ -7628,6 +8977,36 @@
 </file>
 
 <file path=ppt/tags/tag94.xml><?xml version="1.0" encoding="utf-8"?>
+<p:tagLst xmlns:a="http://schemas.openxmlformats.org/drawingml/2006/main" xmlns:r="http://schemas.openxmlformats.org/officeDocument/2006/relationships" xmlns:p="http://schemas.openxmlformats.org/presentationml/2006/main">
+  <p:tag name="PA" val="v4.3.1"/>
+</p:tagLst>
+</file>
+
+<file path=ppt/tags/tag95.xml><?xml version="1.0" encoding="utf-8"?>
+<p:tagLst xmlns:a="http://schemas.openxmlformats.org/drawingml/2006/main" xmlns:r="http://schemas.openxmlformats.org/officeDocument/2006/relationships" xmlns:p="http://schemas.openxmlformats.org/presentationml/2006/main">
+  <p:tag name="EFFECT_TARSP_IDS" val="4|"/>
+</p:tagLst>
+</file>
+
+<file path=ppt/tags/tag96.xml><?xml version="1.0" encoding="utf-8"?>
+<p:tagLst xmlns:a="http://schemas.openxmlformats.org/drawingml/2006/main" xmlns:r="http://schemas.openxmlformats.org/officeDocument/2006/relationships" xmlns:p="http://schemas.openxmlformats.org/presentationml/2006/main">
+  <p:tag name="PA" val="v4.3.1"/>
+</p:tagLst>
+</file>
+
+<file path=ppt/tags/tag97.xml><?xml version="1.0" encoding="utf-8"?>
+<p:tagLst xmlns:a="http://schemas.openxmlformats.org/drawingml/2006/main" xmlns:r="http://schemas.openxmlformats.org/officeDocument/2006/relationships" xmlns:p="http://schemas.openxmlformats.org/presentationml/2006/main">
+  <p:tag name="PA" val="v4.3.1"/>
+</p:tagLst>
+</file>
+
+<file path=ppt/tags/tag98.xml><?xml version="1.0" encoding="utf-8"?>
+<p:tagLst xmlns:a="http://schemas.openxmlformats.org/drawingml/2006/main" xmlns:r="http://schemas.openxmlformats.org/officeDocument/2006/relationships" xmlns:p="http://schemas.openxmlformats.org/presentationml/2006/main">
+  <p:tag name="PA" val="v4.3.1"/>
+</p:tagLst>
+</file>
+
+<file path=ppt/tags/tag99.xml><?xml version="1.0" encoding="utf-8"?>
 <p:tagLst xmlns:a="http://schemas.openxmlformats.org/drawingml/2006/main" xmlns:r="http://schemas.openxmlformats.org/officeDocument/2006/relationships" xmlns:p="http://schemas.openxmlformats.org/presentationml/2006/main">
   <p:tag name="PA" val="v4.3.1"/>
 </p:tagLst>
